--- a/Diagnostics/local/Figures/Fig4.pptx
+++ b/Diagnostics/local/Figures/Fig4.pptx
@@ -243,7 +243,7 @@
           <a:p>
             <a:fld id="{FD94682A-00C5-499F-BEAA-3AB457342074}" type="datetimeFigureOut">
               <a:rPr lang="en-US" smtClean="0"/>
-              <a:t>3/5/2023</a:t>
+              <a:t>4/14/2023</a:t>
             </a:fld>
             <a:endParaRPr lang="en-US"/>
           </a:p>
@@ -413,7 +413,7 @@
           <a:p>
             <a:fld id="{FD94682A-00C5-499F-BEAA-3AB457342074}" type="datetimeFigureOut">
               <a:rPr lang="en-US" smtClean="0"/>
-              <a:t>3/5/2023</a:t>
+              <a:t>4/14/2023</a:t>
             </a:fld>
             <a:endParaRPr lang="en-US"/>
           </a:p>
@@ -593,7 +593,7 @@
           <a:p>
             <a:fld id="{FD94682A-00C5-499F-BEAA-3AB457342074}" type="datetimeFigureOut">
               <a:rPr lang="en-US" smtClean="0"/>
-              <a:t>3/5/2023</a:t>
+              <a:t>4/14/2023</a:t>
             </a:fld>
             <a:endParaRPr lang="en-US"/>
           </a:p>
@@ -763,7 +763,7 @@
           <a:p>
             <a:fld id="{FD94682A-00C5-499F-BEAA-3AB457342074}" type="datetimeFigureOut">
               <a:rPr lang="en-US" smtClean="0"/>
-              <a:t>3/5/2023</a:t>
+              <a:t>4/14/2023</a:t>
             </a:fld>
             <a:endParaRPr lang="en-US"/>
           </a:p>
@@ -1007,7 +1007,7 @@
           <a:p>
             <a:fld id="{FD94682A-00C5-499F-BEAA-3AB457342074}" type="datetimeFigureOut">
               <a:rPr lang="en-US" smtClean="0"/>
-              <a:t>3/5/2023</a:t>
+              <a:t>4/14/2023</a:t>
             </a:fld>
             <a:endParaRPr lang="en-US"/>
           </a:p>
@@ -1239,7 +1239,7 @@
           <a:p>
             <a:fld id="{FD94682A-00C5-499F-BEAA-3AB457342074}" type="datetimeFigureOut">
               <a:rPr lang="en-US" smtClean="0"/>
-              <a:t>3/5/2023</a:t>
+              <a:t>4/14/2023</a:t>
             </a:fld>
             <a:endParaRPr lang="en-US"/>
           </a:p>
@@ -1606,7 +1606,7 @@
           <a:p>
             <a:fld id="{FD94682A-00C5-499F-BEAA-3AB457342074}" type="datetimeFigureOut">
               <a:rPr lang="en-US" smtClean="0"/>
-              <a:t>3/5/2023</a:t>
+              <a:t>4/14/2023</a:t>
             </a:fld>
             <a:endParaRPr lang="en-US"/>
           </a:p>
@@ -1724,7 +1724,7 @@
           <a:p>
             <a:fld id="{FD94682A-00C5-499F-BEAA-3AB457342074}" type="datetimeFigureOut">
               <a:rPr lang="en-US" smtClean="0"/>
-              <a:t>3/5/2023</a:t>
+              <a:t>4/14/2023</a:t>
             </a:fld>
             <a:endParaRPr lang="en-US"/>
           </a:p>
@@ -1819,7 +1819,7 @@
           <a:p>
             <a:fld id="{FD94682A-00C5-499F-BEAA-3AB457342074}" type="datetimeFigureOut">
               <a:rPr lang="en-US" smtClean="0"/>
-              <a:t>3/5/2023</a:t>
+              <a:t>4/14/2023</a:t>
             </a:fld>
             <a:endParaRPr lang="en-US"/>
           </a:p>
@@ -2096,7 +2096,7 @@
           <a:p>
             <a:fld id="{FD94682A-00C5-499F-BEAA-3AB457342074}" type="datetimeFigureOut">
               <a:rPr lang="en-US" smtClean="0"/>
-              <a:t>3/5/2023</a:t>
+              <a:t>4/14/2023</a:t>
             </a:fld>
             <a:endParaRPr lang="en-US"/>
           </a:p>
@@ -2353,7 +2353,7 @@
           <a:p>
             <a:fld id="{FD94682A-00C5-499F-BEAA-3AB457342074}" type="datetimeFigureOut">
               <a:rPr lang="en-US" smtClean="0"/>
-              <a:t>3/5/2023</a:t>
+              <a:t>4/14/2023</a:t>
             </a:fld>
             <a:endParaRPr lang="en-US"/>
           </a:p>
@@ -2566,7 +2566,7 @@
           <a:p>
             <a:fld id="{FD94682A-00C5-499F-BEAA-3AB457342074}" type="datetimeFigureOut">
               <a:rPr lang="en-US" smtClean="0"/>
-              <a:t>3/5/2023</a:t>
+              <a:t>4/14/2023</a:t>
             </a:fld>
             <a:endParaRPr lang="en-US"/>
           </a:p>
@@ -2973,10 +2973,10 @@
       </p:grpSpPr>
       <p:pic>
         <p:nvPicPr>
-          <p:cNvPr id="10" name="Picture 9">
+          <p:cNvPr id="7" name="Picture 6">
             <a:extLst>
               <a:ext uri="{FF2B5EF4-FFF2-40B4-BE49-F238E27FC236}">
-                <a16:creationId xmlns:a16="http://schemas.microsoft.com/office/drawing/2014/main" id="{7818503A-6189-4133-AF65-6D06CD3317D0}"/>
+                <a16:creationId xmlns:a16="http://schemas.microsoft.com/office/drawing/2014/main" id="{6B6D370F-07E9-4B54-94DE-E525714CD082}"/>
               </a:ext>
             </a:extLst>
           </p:cNvPr>
@@ -2993,13 +2993,13 @@
               </a:ext>
             </a:extLst>
           </a:blip>
-          <a:srcRect t="7308" r="5371" b="3907"/>
+          <a:srcRect t="4859"/>
           <a:stretch/>
         </p:blipFill>
         <p:spPr>
           <a:xfrm>
-            <a:off x="-8467" y="3325549"/>
-            <a:ext cx="4477607" cy="3267502"/>
+            <a:off x="0" y="0"/>
+            <a:ext cx="4572000" cy="3383216"/>
           </a:xfrm>
           <a:prstGeom prst="rect">
             <a:avLst/>
@@ -3008,10 +3008,10 @@
       </p:pic>
       <p:pic>
         <p:nvPicPr>
-          <p:cNvPr id="3" name="Picture 2">
+          <p:cNvPr id="10" name="Picture 9">
             <a:extLst>
               <a:ext uri="{FF2B5EF4-FFF2-40B4-BE49-F238E27FC236}">
-                <a16:creationId xmlns:a16="http://schemas.microsoft.com/office/drawing/2014/main" id="{48109B9C-249D-4E67-A7E6-D001993BBCBA}"/>
+                <a16:creationId xmlns:a16="http://schemas.microsoft.com/office/drawing/2014/main" id="{7818503A-6189-4133-AF65-6D06CD3317D0}"/>
               </a:ext>
             </a:extLst>
           </p:cNvPr>
@@ -3028,21 +3028,21 @@
               </a:ext>
             </a:extLst>
           </a:blip>
-          <a:srcRect l="1796" t="6429" r="6301" b="4359"/>
+          <a:srcRect t="7308" r="5371" b="3907"/>
           <a:stretch/>
         </p:blipFill>
         <p:spPr>
           <a:xfrm>
-            <a:off x="94393" y="27281"/>
-            <a:ext cx="4323654" cy="3264400"/>
+            <a:off x="0" y="3350950"/>
+            <a:ext cx="4477607" cy="3267502"/>
           </a:xfrm>
           <a:prstGeom prst="rect">
             <a:avLst/>
           </a:prstGeom>
         </p:spPr>
       </p:pic>
-      <mc:AlternateContent xmlns:mc="http://schemas.openxmlformats.org/markup-compatibility/2006" xmlns:a14="http://schemas.microsoft.com/office/drawing/2010/main">
-        <mc:Choice Requires="a14">
+      <mc:AlternateContent xmlns:mc="http://schemas.openxmlformats.org/markup-compatibility/2006">
+        <mc:Choice xmlns:a14="http://schemas.microsoft.com/office/drawing/2010/main" Requires="a14">
           <p:sp>
             <p:nvSpPr>
               <p:cNvPr id="6" name="TextBox 5">
@@ -3058,7 +3058,7 @@
             <p:spPr>
               <a:xfrm>
                 <a:off x="2732852" y="605537"/>
-                <a:ext cx="962891" cy="441083"/>
+                <a:ext cx="990656" cy="441083"/>
               </a:xfrm>
               <a:prstGeom prst="rect">
                 <a:avLst/>
@@ -3079,7 +3079,7 @@
                     </m:oMathParaPr>
                     <m:oMath xmlns:m="http://schemas.openxmlformats.org/officeDocument/2006/math">
                       <m:r>
-                        <a:rPr lang="en-US" sz="1400" i="1">
+                        <a:rPr lang="en-US" sz="1400" i="1" smtClean="0">
                           <a:latin typeface="Cambria Math" panose="02040503050406030204" pitchFamily="18" charset="0"/>
                         </a:rPr>
                         <m:t>∝</m:t>
@@ -3181,10 +3181,10 @@
                                 </m:sSubPr>
                                 <m:e>
                                   <m:r>
-                                    <a:rPr lang="en-US" sz="1400" i="1">
+                                    <a:rPr lang="en-US" sz="1400" b="0" i="1" smtClean="0">
                                       <a:latin typeface="Cambria Math" panose="02040503050406030204" pitchFamily="18" charset="0"/>
                                     </a:rPr>
-                                    <m:t>𝑟</m:t>
+                                    <m:t>𝜆</m:t>
                                   </m:r>
                                 </m:e>
                                 <m:sub>
@@ -3208,7 +3208,7 @@
             </p:txBody>
           </p:sp>
         </mc:Choice>
-        <mc:Fallback xmlns="">
+        <mc:Fallback>
           <p:sp>
             <p:nvSpPr>
               <p:cNvPr id="6" name="TextBox 5">
@@ -3226,7 +3226,7 @@
             <p:spPr>
               <a:xfrm>
                 <a:off x="2732852" y="605537"/>
-                <a:ext cx="962891" cy="441083"/>
+                <a:ext cx="990656" cy="441083"/>
               </a:xfrm>
               <a:prstGeom prst="rect">
                 <a:avLst/>
@@ -3234,7 +3234,7 @@
               <a:blipFill>
                 <a:blip r:embed="rId4"/>
                 <a:stretch>
-                  <a:fillRect l="-2532" r="-633" b="-6849"/>
+                  <a:fillRect l="-2454" b="-6849"/>
                 </a:stretch>
               </a:blipFill>
             </p:spPr>
